--- a/source/ppt/DesignPattern/SingletonPattern/singletonTwoIfSynchronized.pptx
+++ b/source/ppt/DesignPattern/SingletonPattern/singletonTwoIfSynchronized.pptx
@@ -340,6 +340,36 @@
           </a:p>
         </p:txBody>
       </p:sp>
+      <p:pic>
+        <p:nvPicPr>
+          <p:cNvPr id="7" name="图片 6">
+            <a:extLst>
+              <a:ext uri="{FF2B5EF4-FFF2-40B4-BE49-F238E27FC236}">
+                <a16:creationId xmlns:a16="http://schemas.microsoft.com/office/drawing/2014/main" id="{A3FB7BD2-B1B8-42D9-B901-CF0342E8E4A8}"/>
+              </a:ext>
+            </a:extLst>
+          </p:cNvPr>
+          <p:cNvPicPr>
+            <a:picLocks noChangeAspect="1"/>
+          </p:cNvPicPr>
+          <p:nvPr userDrawn="1"/>
+        </p:nvPicPr>
+        <p:blipFill>
+          <a:blip r:embed="rId2"/>
+          <a:stretch>
+            <a:fillRect/>
+          </a:stretch>
+        </p:blipFill>
+        <p:spPr>
+          <a:xfrm>
+            <a:off x="9035132" y="87313"/>
+            <a:ext cx="2905125" cy="485775"/>
+          </a:xfrm>
+          <a:prstGeom prst="rect">
+            <a:avLst/>
+          </a:prstGeom>
+        </p:spPr>
+      </p:pic>
     </p:spTree>
     <p:extLst>
       <p:ext uri="{BB962C8B-B14F-4D97-AF65-F5344CB8AC3E}">
@@ -3853,11 +3883,11 @@
   <p:clrMapOvr>
     <a:masterClrMapping/>
   </p:clrMapOvr>
-  <mc:AlternateContent xmlns:mc="http://schemas.openxmlformats.org/markup-compatibility/2006">
-    <mc:Choice xmlns:p14="http://schemas.microsoft.com/office/powerpoint/2010/main" Requires="p14">
+  <mc:AlternateContent xmlns:mc="http://schemas.openxmlformats.org/markup-compatibility/2006" xmlns:p14="http://schemas.microsoft.com/office/powerpoint/2010/main">
+    <mc:Choice Requires="p14">
       <p:transition spd="slow" p14:dur="2000" advClick="0" advTm="5000"/>
     </mc:Choice>
-    <mc:Fallback>
+    <mc:Fallback xmlns="">
       <p:transition spd="slow" advClick="0" advTm="5000"/>
     </mc:Fallback>
   </mc:AlternateContent>
@@ -4307,11 +4337,11 @@
   <p:clrMapOvr>
     <a:masterClrMapping/>
   </p:clrMapOvr>
-  <mc:AlternateContent xmlns:mc="http://schemas.openxmlformats.org/markup-compatibility/2006">
-    <mc:Choice xmlns:p14="http://schemas.microsoft.com/office/powerpoint/2010/main" Requires="p14">
+  <mc:AlternateContent xmlns:mc="http://schemas.openxmlformats.org/markup-compatibility/2006" xmlns:p14="http://schemas.microsoft.com/office/powerpoint/2010/main">
+    <mc:Choice Requires="p14">
       <p:transition spd="slow" p14:dur="2000" advClick="0" advTm="2000"/>
     </mc:Choice>
-    <mc:Fallback>
+    <mc:Fallback xmlns="">
       <p:transition spd="slow" advClick="0" advTm="2000"/>
     </mc:Fallback>
   </mc:AlternateContent>
@@ -4758,11 +4788,11 @@
   <p:clrMapOvr>
     <a:masterClrMapping/>
   </p:clrMapOvr>
-  <mc:AlternateContent xmlns:mc="http://schemas.openxmlformats.org/markup-compatibility/2006">
-    <mc:Choice xmlns:p14="http://schemas.microsoft.com/office/powerpoint/2010/main" Requires="p14">
+  <mc:AlternateContent xmlns:mc="http://schemas.openxmlformats.org/markup-compatibility/2006" xmlns:p14="http://schemas.microsoft.com/office/powerpoint/2010/main">
+    <mc:Choice Requires="p14">
       <p:transition spd="slow" p14:dur="2000" advClick="0" advTm="2000"/>
     </mc:Choice>
-    <mc:Fallback>
+    <mc:Fallback xmlns="">
       <p:transition spd="slow" advClick="0" advTm="2000"/>
     </mc:Fallback>
   </mc:AlternateContent>
@@ -5241,11 +5271,11 @@
   <p:clrMapOvr>
     <a:masterClrMapping/>
   </p:clrMapOvr>
-  <mc:AlternateContent xmlns:mc="http://schemas.openxmlformats.org/markup-compatibility/2006">
-    <mc:Choice xmlns:p14="http://schemas.microsoft.com/office/powerpoint/2010/main" Requires="p14">
+  <mc:AlternateContent xmlns:mc="http://schemas.openxmlformats.org/markup-compatibility/2006" xmlns:p14="http://schemas.microsoft.com/office/powerpoint/2010/main">
+    <mc:Choice Requires="p14">
       <p:transition spd="slow" p14:dur="2000" advClick="0" advTm="2000"/>
     </mc:Choice>
-    <mc:Fallback>
+    <mc:Fallback xmlns="">
       <p:transition spd="slow" advClick="0" advTm="2000"/>
     </mc:Fallback>
   </mc:AlternateContent>
@@ -5724,11 +5754,11 @@
   <p:clrMapOvr>
     <a:masterClrMapping/>
   </p:clrMapOvr>
-  <mc:AlternateContent xmlns:mc="http://schemas.openxmlformats.org/markup-compatibility/2006">
-    <mc:Choice xmlns:p14="http://schemas.microsoft.com/office/powerpoint/2010/main" Requires="p14">
+  <mc:AlternateContent xmlns:mc="http://schemas.openxmlformats.org/markup-compatibility/2006" xmlns:p14="http://schemas.microsoft.com/office/powerpoint/2010/main">
+    <mc:Choice Requires="p14">
       <p:transition spd="slow" p14:dur="2000" advClick="0" advTm="2000"/>
     </mc:Choice>
-    <mc:Fallback>
+    <mc:Fallback xmlns="">
       <p:transition spd="slow" advClick="0" advTm="2000"/>
     </mc:Fallback>
   </mc:AlternateContent>
@@ -6156,11 +6186,11 @@
   <p:clrMapOvr>
     <a:masterClrMapping/>
   </p:clrMapOvr>
-  <mc:AlternateContent xmlns:mc="http://schemas.openxmlformats.org/markup-compatibility/2006">
-    <mc:Choice xmlns:p14="http://schemas.microsoft.com/office/powerpoint/2010/main" Requires="p14">
+  <mc:AlternateContent xmlns:mc="http://schemas.openxmlformats.org/markup-compatibility/2006" xmlns:p14="http://schemas.microsoft.com/office/powerpoint/2010/main">
+    <mc:Choice Requires="p14">
       <p:transition spd="slow" p14:dur="2000" advClick="0" advTm="2000"/>
     </mc:Choice>
-    <mc:Fallback>
+    <mc:Fallback xmlns="">
       <p:transition spd="slow" advClick="0" advTm="2000"/>
     </mc:Fallback>
   </mc:AlternateContent>
@@ -6588,11 +6618,11 @@
   <p:clrMapOvr>
     <a:masterClrMapping/>
   </p:clrMapOvr>
-  <mc:AlternateContent xmlns:mc="http://schemas.openxmlformats.org/markup-compatibility/2006">
-    <mc:Choice xmlns:p14="http://schemas.microsoft.com/office/powerpoint/2010/main" Requires="p14">
+  <mc:AlternateContent xmlns:mc="http://schemas.openxmlformats.org/markup-compatibility/2006" xmlns:p14="http://schemas.microsoft.com/office/powerpoint/2010/main">
+    <mc:Choice Requires="p14">
       <p:transition spd="slow" p14:dur="2000" advClick="0" advTm="2000"/>
     </mc:Choice>
-    <mc:Fallback>
+    <mc:Fallback xmlns="">
       <p:transition spd="slow" advClick="0" advTm="2000"/>
     </mc:Fallback>
   </mc:AlternateContent>
@@ -7061,11 +7091,11 @@
   <p:clrMapOvr>
     <a:masterClrMapping/>
   </p:clrMapOvr>
-  <mc:AlternateContent xmlns:mc="http://schemas.openxmlformats.org/markup-compatibility/2006">
-    <mc:Choice xmlns:p14="http://schemas.microsoft.com/office/powerpoint/2010/main" Requires="p14">
+  <mc:AlternateContent xmlns:mc="http://schemas.openxmlformats.org/markup-compatibility/2006" xmlns:p14="http://schemas.microsoft.com/office/powerpoint/2010/main">
+    <mc:Choice Requires="p14">
       <p:transition spd="slow" p14:dur="2000" advClick="0" advTm="2000"/>
     </mc:Choice>
-    <mc:Fallback>
+    <mc:Fallback xmlns="">
       <p:transition spd="slow" advClick="0" advTm="2000"/>
     </mc:Fallback>
   </mc:AlternateContent>
@@ -7512,11 +7542,11 @@
   <p:clrMapOvr>
     <a:masterClrMapping/>
   </p:clrMapOvr>
-  <mc:AlternateContent xmlns:mc="http://schemas.openxmlformats.org/markup-compatibility/2006">
-    <mc:Choice xmlns:p14="http://schemas.microsoft.com/office/powerpoint/2010/main" Requires="p14">
+  <mc:AlternateContent xmlns:mc="http://schemas.openxmlformats.org/markup-compatibility/2006" xmlns:p14="http://schemas.microsoft.com/office/powerpoint/2010/main">
+    <mc:Choice Requires="p14">
       <p:transition spd="slow" p14:dur="2000" advClick="0" advTm="2000"/>
     </mc:Choice>
-    <mc:Fallback>
+    <mc:Fallback xmlns="">
       <p:transition spd="slow" advClick="0" advTm="2000"/>
     </mc:Fallback>
   </mc:AlternateContent>
@@ -7963,11 +7993,11 @@
   <p:clrMapOvr>
     <a:masterClrMapping/>
   </p:clrMapOvr>
-  <mc:AlternateContent xmlns:mc="http://schemas.openxmlformats.org/markup-compatibility/2006">
-    <mc:Choice xmlns:p14="http://schemas.microsoft.com/office/powerpoint/2010/main" Requires="p14">
+  <mc:AlternateContent xmlns:mc="http://schemas.openxmlformats.org/markup-compatibility/2006" xmlns:p14="http://schemas.microsoft.com/office/powerpoint/2010/main">
+    <mc:Choice Requires="p14">
       <p:transition spd="slow" p14:dur="2000" advClick="0" advTm="2000"/>
     </mc:Choice>
-    <mc:Fallback>
+    <mc:Fallback xmlns="">
       <p:transition spd="slow" advClick="0" advTm="2000"/>
     </mc:Fallback>
   </mc:AlternateContent>
@@ -8395,11 +8425,11 @@
   <p:clrMapOvr>
     <a:masterClrMapping/>
   </p:clrMapOvr>
-  <mc:AlternateContent xmlns:mc="http://schemas.openxmlformats.org/markup-compatibility/2006">
-    <mc:Choice xmlns:p14="http://schemas.microsoft.com/office/powerpoint/2010/main" Requires="p14">
+  <mc:AlternateContent xmlns:mc="http://schemas.openxmlformats.org/markup-compatibility/2006" xmlns:p14="http://schemas.microsoft.com/office/powerpoint/2010/main">
+    <mc:Choice Requires="p14">
       <p:transition spd="slow" p14:dur="2000" advClick="0" advTm="2000"/>
     </mc:Choice>
-    <mc:Fallback>
+    <mc:Fallback xmlns="">
       <p:transition spd="slow" advClick="0" advTm="2000"/>
     </mc:Fallback>
   </mc:AlternateContent>
@@ -8702,6 +8732,21 @@
 </file>
 
 <file path=customXml/item1.xml><?xml version="1.0" encoding="utf-8"?>
+<p:properties xmlns:p="http://schemas.microsoft.com/office/2006/metadata/properties" xmlns:xsi="http://www.w3.org/2001/XMLSchema-instance" xmlns:pc="http://schemas.microsoft.com/office/infopath/2007/PartnerControls">
+  <documentManagement/>
+</p:properties>
+</file>
+
+<file path=customXml/item2.xml><?xml version="1.0" encoding="utf-8"?>
+<?mso-contentType ?>
+<FormTemplates xmlns="http://schemas.microsoft.com/sharepoint/v3/contenttype/forms">
+  <Display>DocumentLibraryForm</Display>
+  <Edit>DocumentLibraryForm</Edit>
+  <New>DocumentLibraryForm</New>
+</FormTemplates>
+</file>
+
+<file path=customXml/item3.xml><?xml version="1.0" encoding="utf-8"?>
 <ct:contentTypeSchema xmlns:ct="http://schemas.microsoft.com/office/2006/metadata/contentType" xmlns:ma="http://schemas.microsoft.com/office/2006/metadata/properties/metaAttributes" ct:_="" ma:_="" ma:contentTypeName="文档" ma:contentTypeID="0x01010054A67C50ED22194F9E2584B7705B0498" ma:contentTypeVersion="2" ma:contentTypeDescription="新建文档。" ma:contentTypeScope="" ma:versionID="9c0eac8debd2503bfe4f87d05f771a5a">
   <xsd:schema xmlns:xsd="http://www.w3.org/2001/XMLSchema" xmlns:xs="http://www.w3.org/2001/XMLSchema" xmlns:p="http://schemas.microsoft.com/office/2006/metadata/properties" xmlns:ns3="00e69eb3-3615-458d-b6da-a54e8cea02e1" targetNamespace="http://schemas.microsoft.com/office/2006/metadata/properties" ma:root="true" ma:fieldsID="7272bf8576c830c4bd97b6a01828c924" ns3:_="">
     <xsd:import namespace="00e69eb3-3615-458d-b6da-a54e8cea02e1"/>
@@ -8833,22 +8878,31 @@
 </ct:contentTypeSchema>
 </file>
 
-<file path=customXml/item2.xml><?xml version="1.0" encoding="utf-8"?>
-<?mso-contentType ?>
-<FormTemplates xmlns="http://schemas.microsoft.com/sharepoint/v3/contenttype/forms">
-  <Display>DocumentLibraryForm</Display>
-  <Edit>DocumentLibraryForm</Edit>
-  <New>DocumentLibraryForm</New>
-</FormTemplates>
+<file path=customXml/itemProps1.xml><?xml version="1.0" encoding="utf-8"?>
+<ds:datastoreItem xmlns:ds="http://schemas.openxmlformats.org/officeDocument/2006/customXml" ds:itemID="{2393DE7E-06EC-4C07-921C-28DF04FFE59F}">
+  <ds:schemaRefs>
+    <ds:schemaRef ds:uri="http://purl.org/dc/dcmitype/"/>
+    <ds:schemaRef ds:uri="http://schemas.microsoft.com/office/2006/documentManagement/types"/>
+    <ds:schemaRef ds:uri="http://schemas.microsoft.com/office/2006/metadata/properties"/>
+    <ds:schemaRef ds:uri="http://schemas.microsoft.com/office/infopath/2007/PartnerControls"/>
+    <ds:schemaRef ds:uri="http://www.w3.org/XML/1998/namespace"/>
+    <ds:schemaRef ds:uri="http://schemas.openxmlformats.org/package/2006/metadata/core-properties"/>
+    <ds:schemaRef ds:uri="00e69eb3-3615-458d-b6da-a54e8cea02e1"/>
+    <ds:schemaRef ds:uri="http://purl.org/dc/terms/"/>
+    <ds:schemaRef ds:uri="http://purl.org/dc/elements/1.1/"/>
+  </ds:schemaRefs>
+</ds:datastoreItem>
 </file>
 
-<file path=customXml/item3.xml><?xml version="1.0" encoding="utf-8"?>
-<p:properties xmlns:p="http://schemas.microsoft.com/office/2006/metadata/properties" xmlns:xsi="http://www.w3.org/2001/XMLSchema-instance" xmlns:pc="http://schemas.microsoft.com/office/infopath/2007/PartnerControls">
-  <documentManagement/>
-</p:properties>
+<file path=customXml/itemProps2.xml><?xml version="1.0" encoding="utf-8"?>
+<ds:datastoreItem xmlns:ds="http://schemas.openxmlformats.org/officeDocument/2006/customXml" ds:itemID="{B9001C67-C66C-424F-BE9B-81F31B2887CF}">
+  <ds:schemaRefs>
+    <ds:schemaRef ds:uri="http://schemas.microsoft.com/sharepoint/v3/contenttype/forms"/>
+  </ds:schemaRefs>
+</ds:datastoreItem>
 </file>
 
-<file path=customXml/itemProps1.xml><?xml version="1.0" encoding="utf-8"?>
+<file path=customXml/itemProps3.xml><?xml version="1.0" encoding="utf-8"?>
 <ds:datastoreItem xmlns:ds="http://schemas.openxmlformats.org/officeDocument/2006/customXml" ds:itemID="{F198C5A7-D45D-4AC9-8253-72B2994C6294}">
   <ds:schemaRefs>
     <ds:schemaRef ds:uri="http://schemas.microsoft.com/office/2006/metadata/contentType"/>
@@ -8864,28 +8918,4 @@
     <ds:schemaRef ds:uri="http://schemas.microsoft.com/internal/obd"/>
   </ds:schemaRefs>
 </ds:datastoreItem>
-</file>
-
-<file path=customXml/itemProps2.xml><?xml version="1.0" encoding="utf-8"?>
-<ds:datastoreItem xmlns:ds="http://schemas.openxmlformats.org/officeDocument/2006/customXml" ds:itemID="{B9001C67-C66C-424F-BE9B-81F31B2887CF}">
-  <ds:schemaRefs>
-    <ds:schemaRef ds:uri="http://schemas.microsoft.com/sharepoint/v3/contenttype/forms"/>
-  </ds:schemaRefs>
-</ds:datastoreItem>
-</file>
-
-<file path=customXml/itemProps3.xml><?xml version="1.0" encoding="utf-8"?>
-<ds:datastoreItem xmlns:ds="http://schemas.openxmlformats.org/officeDocument/2006/customXml" ds:itemID="{2393DE7E-06EC-4C07-921C-28DF04FFE59F}">
-  <ds:schemaRefs>
-    <ds:schemaRef ds:uri="http://purl.org/dc/dcmitype/"/>
-    <ds:schemaRef ds:uri="http://schemas.microsoft.com/office/2006/documentManagement/types"/>
-    <ds:schemaRef ds:uri="http://schemas.microsoft.com/office/2006/metadata/properties"/>
-    <ds:schemaRef ds:uri="http://schemas.microsoft.com/office/infopath/2007/PartnerControls"/>
-    <ds:schemaRef ds:uri="http://www.w3.org/XML/1998/namespace"/>
-    <ds:schemaRef ds:uri="http://schemas.openxmlformats.org/package/2006/metadata/core-properties"/>
-    <ds:schemaRef ds:uri="00e69eb3-3615-458d-b6da-a54e8cea02e1"/>
-    <ds:schemaRef ds:uri="http://purl.org/dc/terms/"/>
-    <ds:schemaRef ds:uri="http://purl.org/dc/elements/1.1/"/>
-  </ds:schemaRefs>
-</ds:datastoreItem>
 </file>